--- a/courses/ese605-spring2022/lecture-slides/logistics.pptx
+++ b/courses/ese605-spring2022/lecture-slides/logistics.pptx
@@ -218,7 +218,7 @@
           <a:p>
             <a:fld id="{344B7452-CBCE-544C-82C0-61A81034B8D9}" type="datetimeFigureOut">
               <a:rPr lang="en-US" smtClean="0"/>
-              <a:t>1/14/21</a:t>
+              <a:t>1/4/22</a:t>
             </a:fld>
             <a:endParaRPr lang="en-US"/>
           </a:p>
@@ -384,7 +384,7 @@
           <a:p>
             <a:fld id="{AE2B2B26-92A0-7541-B16F-52F5B57C465F}" type="datetimeFigureOut">
               <a:rPr lang="en-US" smtClean="0"/>
-              <a:t>1/14/21</a:t>
+              <a:t>1/4/22</a:t>
             </a:fld>
             <a:endParaRPr lang="en-US"/>
           </a:p>
@@ -801,6 +801,90 @@
           <a:p>
             <a:fld id="{B85D8441-E7A9-284C-8636-5AB99FE5A713}" type="slidenum">
               <a:rPr lang="en-US" smtClean="0"/>
+              <a:t>1</a:t>
+            </a:fld>
+            <a:endParaRPr lang="en-US"/>
+          </a:p>
+        </p:txBody>
+      </p:sp>
+    </p:spTree>
+    <p:extLst>
+      <p:ext uri="{BB962C8B-B14F-4D97-AF65-F5344CB8AC3E}">
+        <p14:creationId xmlns:p14="http://schemas.microsoft.com/office/powerpoint/2010/main" val="1076220709"/>
+      </p:ext>
+    </p:extLst>
+  </p:cSld>
+  <p:clrMapOvr>
+    <a:masterClrMapping/>
+  </p:clrMapOvr>
+</p:notes>
+</file>
+
+<file path=ppt/notesSlides/notesSlide3.xml><?xml version="1.0" encoding="utf-8"?>
+<p:notes xmlns:a="http://schemas.openxmlformats.org/drawingml/2006/main" xmlns:r="http://schemas.openxmlformats.org/officeDocument/2006/relationships" xmlns:p="http://schemas.openxmlformats.org/presentationml/2006/main">
+  <p:cSld>
+    <p:spTree>
+      <p:nvGrpSpPr>
+        <p:cNvPr id="1" name=""/>
+        <p:cNvGrpSpPr/>
+        <p:nvPr/>
+      </p:nvGrpSpPr>
+      <p:grpSpPr>
+        <a:xfrm>
+          <a:off x="0" y="0"/>
+          <a:ext cx="0" cy="0"/>
+          <a:chOff x="0" y="0"/>
+          <a:chExt cx="0" cy="0"/>
+        </a:xfrm>
+      </p:grpSpPr>
+      <p:sp>
+        <p:nvSpPr>
+          <p:cNvPr id="2" name="Slide Image Placeholder 1"/>
+          <p:cNvSpPr>
+            <a:spLocks noGrp="1" noRot="1" noChangeAspect="1"/>
+          </p:cNvSpPr>
+          <p:nvPr>
+            <p:ph type="sldImg"/>
+          </p:nvPr>
+        </p:nvSpPr>
+        <p:spPr/>
+      </p:sp>
+      <p:sp>
+        <p:nvSpPr>
+          <p:cNvPr id="3" name="Notes Placeholder 2"/>
+          <p:cNvSpPr>
+            <a:spLocks noGrp="1"/>
+          </p:cNvSpPr>
+          <p:nvPr>
+            <p:ph type="body" idx="1"/>
+          </p:nvPr>
+        </p:nvSpPr>
+        <p:spPr/>
+        <p:txBody>
+          <a:bodyPr/>
+          <a:lstStyle/>
+          <a:p>
+            <a:endParaRPr lang="en-US" dirty="0"/>
+          </a:p>
+        </p:txBody>
+      </p:sp>
+      <p:sp>
+        <p:nvSpPr>
+          <p:cNvPr id="4" name="Slide Number Placeholder 3"/>
+          <p:cNvSpPr>
+            <a:spLocks noGrp="1"/>
+          </p:cNvSpPr>
+          <p:nvPr>
+            <p:ph type="sldNum" sz="quarter" idx="5"/>
+          </p:nvPr>
+        </p:nvSpPr>
+        <p:spPr/>
+        <p:txBody>
+          <a:bodyPr/>
+          <a:lstStyle/>
+          <a:p>
+            <a:fld id="{B85D8441-E7A9-284C-8636-5AB99FE5A713}" type="slidenum">
+              <a:rPr lang="en-US" smtClean="0"/>
               <a:t>7</a:t>
             </a:fld>
             <a:endParaRPr lang="en-US"/>
@@ -999,7 +1083,7 @@
           <a:p>
             <a:fld id="{7A455EB6-B941-5146-9952-DE44460C1C67}" type="datetime1">
               <a:rPr lang="en-US" smtClean="0"/>
-              <a:t>1/14/21</a:t>
+              <a:t>1/4/22</a:t>
             </a:fld>
             <a:endParaRPr lang="en-US"/>
           </a:p>
@@ -1167,7 +1251,7 @@
           <a:p>
             <a:fld id="{53882CAB-4B72-8D4D-85F5-0CF3179D56D1}" type="datetime1">
               <a:rPr lang="en-US" smtClean="0"/>
-              <a:t>1/14/21</a:t>
+              <a:t>1/4/22</a:t>
             </a:fld>
             <a:endParaRPr lang="en-US"/>
           </a:p>
@@ -1345,7 +1429,7 @@
           <a:p>
             <a:fld id="{8C818920-949E-B948-ABEB-042404D19519}" type="datetime1">
               <a:rPr lang="en-US" smtClean="0"/>
-              <a:t>1/14/21</a:t>
+              <a:t>1/4/22</a:t>
             </a:fld>
             <a:endParaRPr lang="en-US"/>
           </a:p>
@@ -1513,7 +1597,7 @@
           <a:p>
             <a:fld id="{6B553EA3-B833-5F45-A6C4-754918BD43F4}" type="datetime1">
               <a:rPr lang="en-US" smtClean="0"/>
-              <a:t>1/14/21</a:t>
+              <a:t>1/4/22</a:t>
             </a:fld>
             <a:endParaRPr lang="en-US"/>
           </a:p>
@@ -1758,7 +1842,7 @@
           <a:p>
             <a:fld id="{177919A0-3E44-0548-BA9C-C1DA0DE76F12}" type="datetime1">
               <a:rPr lang="en-US" smtClean="0"/>
-              <a:t>1/14/21</a:t>
+              <a:t>1/4/22</a:t>
             </a:fld>
             <a:endParaRPr lang="en-US"/>
           </a:p>
@@ -2043,7 +2127,7 @@
           <a:p>
             <a:fld id="{EF2B5C21-338A-E04E-AF9D-55B1D5896A2D}" type="datetime1">
               <a:rPr lang="en-US" smtClean="0"/>
-              <a:t>1/14/21</a:t>
+              <a:t>1/4/22</a:t>
             </a:fld>
             <a:endParaRPr lang="en-US"/>
           </a:p>
@@ -2462,7 +2546,7 @@
           <a:p>
             <a:fld id="{6C1BD589-BA7F-F345-8847-B5AAE90B0CE1}" type="datetime1">
               <a:rPr lang="en-US" smtClean="0"/>
-              <a:t>1/14/21</a:t>
+              <a:t>1/4/22</a:t>
             </a:fld>
             <a:endParaRPr lang="en-US"/>
           </a:p>
@@ -2579,7 +2663,7 @@
           <a:p>
             <a:fld id="{7D26E315-97B5-ED48-A6E2-C8DD9A15D910}" type="datetime1">
               <a:rPr lang="en-US" smtClean="0"/>
-              <a:t>1/14/21</a:t>
+              <a:t>1/4/22</a:t>
             </a:fld>
             <a:endParaRPr lang="en-US"/>
           </a:p>
@@ -2674,7 +2758,7 @@
           <a:p>
             <a:fld id="{D75A9AD7-57B8-0C4A-8A03-28346052B0A0}" type="datetime1">
               <a:rPr lang="en-US" smtClean="0"/>
-              <a:t>1/14/21</a:t>
+              <a:t>1/4/22</a:t>
             </a:fld>
             <a:endParaRPr lang="en-US"/>
           </a:p>
@@ -2949,7 +3033,7 @@
           <a:p>
             <a:fld id="{21EEB905-CF7D-1745-9BAA-4C16AF2CEAF4}" type="datetime1">
               <a:rPr lang="en-US" smtClean="0"/>
-              <a:t>1/14/21</a:t>
+              <a:t>1/4/22</a:t>
             </a:fld>
             <a:endParaRPr lang="en-US"/>
           </a:p>
@@ -3201,7 +3285,7 @@
           <a:p>
             <a:fld id="{89AE0F5B-B811-174D-9EB6-CE24A856A7A0}" type="datetime1">
               <a:rPr lang="en-US" smtClean="0"/>
-              <a:t>1/14/21</a:t>
+              <a:t>1/4/22</a:t>
             </a:fld>
             <a:endParaRPr lang="en-US"/>
           </a:p>
@@ -3412,7 +3496,7 @@
           <a:p>
             <a:fld id="{C3A6EF79-F1A3-AF4A-9DED-9EDE600DAF86}" type="datetime1">
               <a:rPr lang="en-US" smtClean="0"/>
-              <a:t>1/14/21</a:t>
+              <a:t>1/4/22</a:t>
             </a:fld>
             <a:endParaRPr lang="en-US"/>
           </a:p>
@@ -3913,23 +3997,7 @@
                   <a:schemeClr val="tx1"/>
                 </a:solidFill>
               </a:rPr>
-              <a:t> </a:t>
-            </a:r>
-            <a:r>
-              <a:rPr lang="en-US" sz="2000" dirty="0" err="1">
-                <a:solidFill>
-                  <a:schemeClr val="tx1"/>
-                </a:solidFill>
-              </a:rPr>
-              <a:t>Yijie</a:t>
-            </a:r>
-            <a:r>
-              <a:rPr lang="en-US" sz="2000" dirty="0">
-                <a:solidFill>
-                  <a:schemeClr val="tx1"/>
-                </a:solidFill>
-              </a:rPr>
-              <a:t> (Lisa) Zhao (</a:t>
+              <a:t> Thomas Zhang (</a:t>
             </a:r>
             <a:r>
               <a:rPr lang="en-US" sz="2000" dirty="0">
@@ -3938,7 +4006,7 @@
                 </a:solidFill>
                 <a:hlinkClick r:id="rId4"/>
               </a:rPr>
-              <a:t>zhaoyij@seas.upenn.edu</a:t>
+              <a:t>ttz2@seas.upenn.edu</a:t>
             </a:r>
             <a:r>
               <a:rPr lang="en-US" sz="2000" dirty="0">
@@ -3946,7 +4014,23 @@
                   <a:schemeClr val="tx1"/>
                 </a:solidFill>
               </a:rPr>
-              <a:t>), Alexander Robey (</a:t>
+              <a:t>), </a:t>
+            </a:r>
+            <a:r>
+              <a:rPr lang="en-US" sz="2000" dirty="0" err="1">
+                <a:solidFill>
+                  <a:schemeClr val="tx1"/>
+                </a:solidFill>
+              </a:rPr>
+              <a:t>Fengjun</a:t>
+            </a:r>
+            <a:r>
+              <a:rPr lang="en-US" sz="2000" dirty="0">
+                <a:solidFill>
+                  <a:schemeClr val="tx1"/>
+                </a:solidFill>
+              </a:rPr>
+              <a:t> Yang (</a:t>
             </a:r>
             <a:r>
               <a:rPr lang="en-US" sz="2000" dirty="0">
@@ -3955,7 +4039,7 @@
                 </a:solidFill>
                 <a:hlinkClick r:id="rId5"/>
               </a:rPr>
-              <a:t>arobey1@seas.upenn.edu</a:t>
+              <a:t>fengjun@seas.upenn.edu</a:t>
             </a:r>
             <a:r>
               <a:rPr lang="en-US" sz="2000" dirty="0">
@@ -3963,23 +4047,7 @@
                   <a:schemeClr val="tx1"/>
                 </a:solidFill>
               </a:rPr>
-              <a:t>), Alp </a:t>
-            </a:r>
-            <a:r>
-              <a:rPr lang="en-US" sz="2000" dirty="0" err="1">
-                <a:solidFill>
-                  <a:schemeClr val="tx1"/>
-                </a:solidFill>
-              </a:rPr>
-              <a:t>Aydinoglu</a:t>
-            </a:r>
-            <a:r>
-              <a:rPr lang="en-US" sz="2000" dirty="0">
-                <a:solidFill>
-                  <a:schemeClr val="tx1"/>
-                </a:solidFill>
-              </a:rPr>
-              <a:t> (</a:t>
+              <a:t>), Alex Nguyen-Le (</a:t>
             </a:r>
             <a:r>
               <a:rPr lang="en-US" sz="2000" dirty="0">
@@ -3988,7 +4056,7 @@
                 </a:solidFill>
                 <a:hlinkClick r:id="rId6"/>
               </a:rPr>
-              <a:t>alpayd@seas.upenn.edu</a:t>
+              <a:t>atn@seas.upenn.edu</a:t>
             </a:r>
             <a:r>
               <a:rPr lang="en-US" sz="2000" dirty="0">
@@ -4020,7 +4088,7 @@
                   <a:schemeClr val="tx1"/>
                 </a:solidFill>
               </a:rPr>
-              <a:t>Tu/Th 3-4.30pm on Zoom (see Piazza for link/passcode)</a:t>
+              <a:t>Tu/Th 3:30-5.00pm ET in LRM and on Zoom (see Canvas)</a:t>
             </a:r>
           </a:p>
           <a:p>
@@ -4040,13 +4108,16 @@
                 </a:solidFill>
                 <a:hlinkClick r:id="rId7"/>
               </a:rPr>
-              <a:t>https://nikolaimatni.github.io/courses/ese605-spring2021/</a:t>
-            </a:r>
-            <a:endParaRPr lang="en-US" sz="2000" dirty="0">
-              <a:solidFill>
-                <a:schemeClr val="tx1"/>
-              </a:solidFill>
-            </a:endParaRPr>
+              <a:t>https://nikolaimatni.github.io/courses/ese605-spring2022/</a:t>
+            </a:r>
+            <a:r>
+              <a:rPr lang="en-US" sz="2000" dirty="0">
+                <a:solidFill>
+                  <a:schemeClr val="tx1"/>
+                </a:solidFill>
+              </a:rPr>
+              <a:t> </a:t>
+            </a:r>
           </a:p>
         </p:txBody>
       </p:sp>
@@ -5927,7 +5998,7 @@
             </a:r>
             <a:r>
               <a:rPr lang="en-US" sz="1600" dirty="0"/>
-              <a:t>Tu/Th 3:00-4:30pm on Zoom (check Piazza for link/passcode ~10min before class)</a:t>
+              <a:t>Tu/Th 3:30-5:00pm in LRM and on Zoom (check Canvas for link/passcode)</a:t>
             </a:r>
           </a:p>
           <a:p>
@@ -5954,7 +6025,7 @@
               <a:rPr lang="en-US" sz="1600" dirty="0">
                 <a:hlinkClick r:id="rId2"/>
               </a:rPr>
-              <a:t>https://nikolaimatni.github.io/courses/ese605-spring2021/index.html</a:t>
+              <a:t>https://nikolaimatni.github.io/courses/ese605-spring2022/index.html</a:t>
             </a:r>
             <a:r>
               <a:rPr lang="en-US" sz="1600" dirty="0"/>
@@ -5964,7 +6035,7 @@
               <a:rPr lang="en-US" sz="1600" dirty="0">
                 <a:hlinkClick r:id="rId3"/>
               </a:rPr>
-              <a:t>https://canvas.upenn.edu/courses/1569651</a:t>
+              <a:t>https://canvas.upenn.edu/courses/1637079</a:t>
             </a:r>
             <a:r>
               <a:rPr lang="en-US" sz="1600" dirty="0"/>
@@ -6003,11 +6074,11 @@
               <a:rPr lang="en-US" sz="1600" dirty="0">
                 <a:hlinkClick r:id="rId3"/>
               </a:rPr>
-              <a:t>https://canvas.upenn.edu/courses/1569651</a:t>
+              <a:t>https://canvas.upenn.edu/courses/1637079</a:t>
             </a:r>
             <a:r>
               <a:rPr lang="en-US" sz="1600" dirty="0"/>
-              <a:t> </a:t>
+              <a:t>.</a:t>
             </a:r>
           </a:p>
           <a:p>
@@ -6030,7 +6101,7 @@
               <a:rPr lang="en-US" sz="1600" u="sng" dirty="0">
                 <a:hlinkClick r:id="rId4"/>
               </a:rPr>
-              <a:t>https://piazza.com/upenn/spring2021/srs_ese6050012021a</a:t>
+              <a:t>https://piazza.com/class/ky09sgvfdx85eb</a:t>
             </a:r>
             <a:r>
               <a:rPr lang="en-US" sz="1600" dirty="0"/>
@@ -6055,7 +6126,7 @@
             </a:r>
             <a:r>
               <a:rPr lang="en-US" sz="1600" dirty="0"/>
-              <a:t>NM after class, LZ  Fr 9-11am, AR We 7-9pm, AA Mo 1-3pm, all ET.  Please let us know if you are unable to make it to any of these due to conflicts or time-zone issues.  Zoom links and passcodes will be posted to Piazza ~5min before.</a:t>
+              <a:t>NM after class, TZ TBD, FY TBD, ANL TBD, all ET.  Please let us know if you are unable to make it to any of these due to conflicts or time-zone issues.  Zoom links and passcodes will be posted to Canvas.</a:t>
             </a:r>
             <a:endParaRPr lang="en-US" sz="1600" b="1" dirty="0"/>
           </a:p>
@@ -6516,19 +6587,11 @@
             </a:pPr>
             <a:r>
               <a:rPr lang="en-US" b="1" dirty="0"/>
-              <a:t>Homework (50%)</a:t>
+              <a:t>Homework (70%)</a:t>
             </a:r>
             <a:r>
               <a:rPr lang="en-US" dirty="0"/>
-              <a:t>: there will </a:t>
-            </a:r>
-            <a:r>
-              <a:rPr lang="en-US"/>
-              <a:t>be bi-monthly </a:t>
-            </a:r>
-            <a:r>
-              <a:rPr lang="en-US" dirty="0"/>
-              <a:t>homework assignments, handed out on Tuesday, and due two weeks later on Friday by 5pm (except for the final assignment which will be due the last day of class). The homework assignments </a:t>
+              <a:t>: there will be bi-monthly homework assignments, handed out on Tuesday, and due two weeks later on Friday by 5pm (except for the final assignment which will be due the last day of class). The homework assignments </a:t>
             </a:r>
             <a:r>
               <a:rPr lang="en-US" b="1" dirty="0"/>
@@ -6583,7 +6646,7 @@
             </a:pPr>
             <a:r>
               <a:rPr lang="en-US" b="1" dirty="0"/>
-              <a:t>Final take-home exam (50%)</a:t>
+              <a:t>Final take-home exam (30%)</a:t>
             </a:r>
             <a:r>
               <a:rPr lang="en-US" dirty="0"/>

--- a/courses/ese605-spring2022/lecture-slides/logistics.pptx
+++ b/courses/ese605-spring2022/lecture-slides/logistics.pptx
@@ -218,7 +218,7 @@
           <a:p>
             <a:fld id="{344B7452-CBCE-544C-82C0-61A81034B8D9}" type="datetimeFigureOut">
               <a:rPr lang="en-US" smtClean="0"/>
-              <a:t>1/4/22</a:t>
+              <a:t>1/5/22</a:t>
             </a:fld>
             <a:endParaRPr lang="en-US"/>
           </a:p>
@@ -384,7 +384,7 @@
           <a:p>
             <a:fld id="{AE2B2B26-92A0-7541-B16F-52F5B57C465F}" type="datetimeFigureOut">
               <a:rPr lang="en-US" smtClean="0"/>
-              <a:t>1/4/22</a:t>
+              <a:t>1/5/22</a:t>
             </a:fld>
             <a:endParaRPr lang="en-US"/>
           </a:p>
@@ -1083,7 +1083,7 @@
           <a:p>
             <a:fld id="{7A455EB6-B941-5146-9952-DE44460C1C67}" type="datetime1">
               <a:rPr lang="en-US" smtClean="0"/>
-              <a:t>1/4/22</a:t>
+              <a:t>1/5/22</a:t>
             </a:fld>
             <a:endParaRPr lang="en-US"/>
           </a:p>
@@ -1251,7 +1251,7 @@
           <a:p>
             <a:fld id="{53882CAB-4B72-8D4D-85F5-0CF3179D56D1}" type="datetime1">
               <a:rPr lang="en-US" smtClean="0"/>
-              <a:t>1/4/22</a:t>
+              <a:t>1/5/22</a:t>
             </a:fld>
             <a:endParaRPr lang="en-US"/>
           </a:p>
@@ -1429,7 +1429,7 @@
           <a:p>
             <a:fld id="{8C818920-949E-B948-ABEB-042404D19519}" type="datetime1">
               <a:rPr lang="en-US" smtClean="0"/>
-              <a:t>1/4/22</a:t>
+              <a:t>1/5/22</a:t>
             </a:fld>
             <a:endParaRPr lang="en-US"/>
           </a:p>
@@ -1597,7 +1597,7 @@
           <a:p>
             <a:fld id="{6B553EA3-B833-5F45-A6C4-754918BD43F4}" type="datetime1">
               <a:rPr lang="en-US" smtClean="0"/>
-              <a:t>1/4/22</a:t>
+              <a:t>1/5/22</a:t>
             </a:fld>
             <a:endParaRPr lang="en-US"/>
           </a:p>
@@ -1842,7 +1842,7 @@
           <a:p>
             <a:fld id="{177919A0-3E44-0548-BA9C-C1DA0DE76F12}" type="datetime1">
               <a:rPr lang="en-US" smtClean="0"/>
-              <a:t>1/4/22</a:t>
+              <a:t>1/5/22</a:t>
             </a:fld>
             <a:endParaRPr lang="en-US"/>
           </a:p>
@@ -2127,7 +2127,7 @@
           <a:p>
             <a:fld id="{EF2B5C21-338A-E04E-AF9D-55B1D5896A2D}" type="datetime1">
               <a:rPr lang="en-US" smtClean="0"/>
-              <a:t>1/4/22</a:t>
+              <a:t>1/5/22</a:t>
             </a:fld>
             <a:endParaRPr lang="en-US"/>
           </a:p>
@@ -2546,7 +2546,7 @@
           <a:p>
             <a:fld id="{6C1BD589-BA7F-F345-8847-B5AAE90B0CE1}" type="datetime1">
               <a:rPr lang="en-US" smtClean="0"/>
-              <a:t>1/4/22</a:t>
+              <a:t>1/5/22</a:t>
             </a:fld>
             <a:endParaRPr lang="en-US"/>
           </a:p>
@@ -2663,7 +2663,7 @@
           <a:p>
             <a:fld id="{7D26E315-97B5-ED48-A6E2-C8DD9A15D910}" type="datetime1">
               <a:rPr lang="en-US" smtClean="0"/>
-              <a:t>1/4/22</a:t>
+              <a:t>1/5/22</a:t>
             </a:fld>
             <a:endParaRPr lang="en-US"/>
           </a:p>
@@ -2758,7 +2758,7 @@
           <a:p>
             <a:fld id="{D75A9AD7-57B8-0C4A-8A03-28346052B0A0}" type="datetime1">
               <a:rPr lang="en-US" smtClean="0"/>
-              <a:t>1/4/22</a:t>
+              <a:t>1/5/22</a:t>
             </a:fld>
             <a:endParaRPr lang="en-US"/>
           </a:p>
@@ -3033,7 +3033,7 @@
           <a:p>
             <a:fld id="{21EEB905-CF7D-1745-9BAA-4C16AF2CEAF4}" type="datetime1">
               <a:rPr lang="en-US" smtClean="0"/>
-              <a:t>1/4/22</a:t>
+              <a:t>1/5/22</a:t>
             </a:fld>
             <a:endParaRPr lang="en-US"/>
           </a:p>
@@ -3285,7 +3285,7 @@
           <a:p>
             <a:fld id="{89AE0F5B-B811-174D-9EB6-CE24A856A7A0}" type="datetime1">
               <a:rPr lang="en-US" smtClean="0"/>
-              <a:t>1/4/22</a:t>
+              <a:t>1/5/22</a:t>
             </a:fld>
             <a:endParaRPr lang="en-US"/>
           </a:p>
@@ -3496,7 +3496,7 @@
           <a:p>
             <a:fld id="{C3A6EF79-F1A3-AF4A-9DED-9EDE600DAF86}" type="datetime1">
               <a:rPr lang="en-US" smtClean="0"/>
-              <a:t>1/4/22</a:t>
+              <a:t>1/5/22</a:t>
             </a:fld>
             <a:endParaRPr lang="en-US"/>
           </a:p>
@@ -4088,7 +4088,23 @@
                   <a:schemeClr val="tx1"/>
                 </a:solidFill>
               </a:rPr>
-              <a:t>Tu/Th 3:30-5.00pm ET in LRM and on Zoom (see Canvas)</a:t>
+              <a:t>Tu/Th 3:30-5.00pm ET </a:t>
+            </a:r>
+            <a:r>
+              <a:rPr lang="en-US" sz="2000">
+                <a:solidFill>
+                  <a:schemeClr val="tx1"/>
+                </a:solidFill>
+              </a:rPr>
+              <a:t>in LRSM </a:t>
+            </a:r>
+            <a:r>
+              <a:rPr lang="en-US" sz="2000" dirty="0">
+                <a:solidFill>
+                  <a:schemeClr val="tx1"/>
+                </a:solidFill>
+              </a:rPr>
+              <a:t>and on Zoom (see Canvas)</a:t>
             </a:r>
           </a:p>
           <a:p>

--- a/courses/ese605-spring2022/lecture-slides/logistics.pptx
+++ b/courses/ese605-spring2022/lecture-slides/logistics.pptx
@@ -218,7 +218,7 @@
           <a:p>
             <a:fld id="{344B7452-CBCE-544C-82C0-61A81034B8D9}" type="datetimeFigureOut">
               <a:rPr lang="en-US" smtClean="0"/>
-              <a:t>1/5/22</a:t>
+              <a:t>1/13/22</a:t>
             </a:fld>
             <a:endParaRPr lang="en-US"/>
           </a:p>
@@ -384,7 +384,7 @@
           <a:p>
             <a:fld id="{AE2B2B26-92A0-7541-B16F-52F5B57C465F}" type="datetimeFigureOut">
               <a:rPr lang="en-US" smtClean="0"/>
-              <a:t>1/5/22</a:t>
+              <a:t>1/13/22</a:t>
             </a:fld>
             <a:endParaRPr lang="en-US"/>
           </a:p>
@@ -1083,7 +1083,7 @@
           <a:p>
             <a:fld id="{7A455EB6-B941-5146-9952-DE44460C1C67}" type="datetime1">
               <a:rPr lang="en-US" smtClean="0"/>
-              <a:t>1/5/22</a:t>
+              <a:t>1/13/22</a:t>
             </a:fld>
             <a:endParaRPr lang="en-US"/>
           </a:p>
@@ -1251,7 +1251,7 @@
           <a:p>
             <a:fld id="{53882CAB-4B72-8D4D-85F5-0CF3179D56D1}" type="datetime1">
               <a:rPr lang="en-US" smtClean="0"/>
-              <a:t>1/5/22</a:t>
+              <a:t>1/13/22</a:t>
             </a:fld>
             <a:endParaRPr lang="en-US"/>
           </a:p>
@@ -1429,7 +1429,7 @@
           <a:p>
             <a:fld id="{8C818920-949E-B948-ABEB-042404D19519}" type="datetime1">
               <a:rPr lang="en-US" smtClean="0"/>
-              <a:t>1/5/22</a:t>
+              <a:t>1/13/22</a:t>
             </a:fld>
             <a:endParaRPr lang="en-US"/>
           </a:p>
@@ -1597,7 +1597,7 @@
           <a:p>
             <a:fld id="{6B553EA3-B833-5F45-A6C4-754918BD43F4}" type="datetime1">
               <a:rPr lang="en-US" smtClean="0"/>
-              <a:t>1/5/22</a:t>
+              <a:t>1/13/22</a:t>
             </a:fld>
             <a:endParaRPr lang="en-US"/>
           </a:p>
@@ -1842,7 +1842,7 @@
           <a:p>
             <a:fld id="{177919A0-3E44-0548-BA9C-C1DA0DE76F12}" type="datetime1">
               <a:rPr lang="en-US" smtClean="0"/>
-              <a:t>1/5/22</a:t>
+              <a:t>1/13/22</a:t>
             </a:fld>
             <a:endParaRPr lang="en-US"/>
           </a:p>
@@ -2127,7 +2127,7 @@
           <a:p>
             <a:fld id="{EF2B5C21-338A-E04E-AF9D-55B1D5896A2D}" type="datetime1">
               <a:rPr lang="en-US" smtClean="0"/>
-              <a:t>1/5/22</a:t>
+              <a:t>1/13/22</a:t>
             </a:fld>
             <a:endParaRPr lang="en-US"/>
           </a:p>
@@ -2546,7 +2546,7 @@
           <a:p>
             <a:fld id="{6C1BD589-BA7F-F345-8847-B5AAE90B0CE1}" type="datetime1">
               <a:rPr lang="en-US" smtClean="0"/>
-              <a:t>1/5/22</a:t>
+              <a:t>1/13/22</a:t>
             </a:fld>
             <a:endParaRPr lang="en-US"/>
           </a:p>
@@ -2663,7 +2663,7 @@
           <a:p>
             <a:fld id="{7D26E315-97B5-ED48-A6E2-C8DD9A15D910}" type="datetime1">
               <a:rPr lang="en-US" smtClean="0"/>
-              <a:t>1/5/22</a:t>
+              <a:t>1/13/22</a:t>
             </a:fld>
             <a:endParaRPr lang="en-US"/>
           </a:p>
@@ -2758,7 +2758,7 @@
           <a:p>
             <a:fld id="{D75A9AD7-57B8-0C4A-8A03-28346052B0A0}" type="datetime1">
               <a:rPr lang="en-US" smtClean="0"/>
-              <a:t>1/5/22</a:t>
+              <a:t>1/13/22</a:t>
             </a:fld>
             <a:endParaRPr lang="en-US"/>
           </a:p>
@@ -3033,7 +3033,7 @@
           <a:p>
             <a:fld id="{21EEB905-CF7D-1745-9BAA-4C16AF2CEAF4}" type="datetime1">
               <a:rPr lang="en-US" smtClean="0"/>
-              <a:t>1/5/22</a:t>
+              <a:t>1/13/22</a:t>
             </a:fld>
             <a:endParaRPr lang="en-US"/>
           </a:p>
@@ -3285,7 +3285,7 @@
           <a:p>
             <a:fld id="{89AE0F5B-B811-174D-9EB6-CE24A856A7A0}" type="datetime1">
               <a:rPr lang="en-US" smtClean="0"/>
-              <a:t>1/5/22</a:t>
+              <a:t>1/13/22</a:t>
             </a:fld>
             <a:endParaRPr lang="en-US"/>
           </a:p>
@@ -3496,7 +3496,7 @@
           <a:p>
             <a:fld id="{C3A6EF79-F1A3-AF4A-9DED-9EDE600DAF86}" type="datetime1">
               <a:rPr lang="en-US" smtClean="0"/>
-              <a:t>1/5/22</a:t>
+              <a:t>1/13/22</a:t>
             </a:fld>
             <a:endParaRPr lang="en-US"/>
           </a:p>
@@ -6142,7 +6142,15 @@
             </a:r>
             <a:r>
               <a:rPr lang="en-US" sz="1600" dirty="0"/>
-              <a:t>NM after class, TZ TBD, FY TBD, ANL TBD, all ET.  Please let us know if you are unable to make it to any of these due to conflicts or time-zone issues.  Zoom links and passcodes will be posted to Canvas.</a:t>
+              <a:t>NM after class, </a:t>
+            </a:r>
+            <a:r>
+              <a:rPr lang="en-US" sz="1600"/>
+              <a:t>TZ Fri 12-2pm, </a:t>
+            </a:r>
+            <a:r>
+              <a:rPr lang="en-US" sz="1600" dirty="0"/>
+              <a:t>FY Wed 8-10am, ANL Mon 6-8pm, all ET.  Please let us know if you are unable to make it to any of these due to conflicts or time-zone issues.  Zoom links and passcodes will be posted to Canvas.</a:t>
             </a:r>
             <a:endParaRPr lang="en-US" sz="1600" b="1" dirty="0"/>
           </a:p>
@@ -6585,7 +6593,7 @@
         <p:spPr>
           <a:xfrm>
             <a:off x="310449" y="906883"/>
-            <a:ext cx="8523102" cy="3693319"/>
+            <a:ext cx="8523102" cy="3416320"/>
           </a:xfrm>
           <a:prstGeom prst="rect">
             <a:avLst/>
@@ -6607,7 +6615,7 @@
             </a:r>
             <a:r>
               <a:rPr lang="en-US" dirty="0"/>
-              <a:t>: there will be bi-monthly homework assignments, handed out on Tuesday, and due two weeks later on Friday by 5pm (except for the final assignment which will be due the last day of class). The homework assignments </a:t>
+              <a:t>: there will be 5 homework assignments, handed out on Tuesday, and due three weeks later on Friday by 5pm (except for the final assignment which will be due the last day of class). The homework assignments </a:t>
             </a:r>
             <a:r>
               <a:rPr lang="en-US" b="1" dirty="0"/>
